--- a/Clases/TDD/UnitTesting And TDD.pptx
+++ b/Clases/TDD/UnitTesting And TDD.pptx
@@ -18,16 +18,17 @@
     <p:sldId id="272" r:id="rId12"/>
     <p:sldId id="268" r:id="rId13"/>
     <p:sldId id="266" r:id="rId14"/>
-    <p:sldId id="285" r:id="rId15"/>
-    <p:sldId id="261" r:id="rId16"/>
-    <p:sldId id="289" r:id="rId17"/>
-    <p:sldId id="263" r:id="rId18"/>
-    <p:sldId id="288" r:id="rId19"/>
-    <p:sldId id="260" r:id="rId20"/>
-    <p:sldId id="265" r:id="rId21"/>
-    <p:sldId id="286" r:id="rId22"/>
-    <p:sldId id="267" r:id="rId23"/>
-    <p:sldId id="287" r:id="rId24"/>
+    <p:sldId id="290" r:id="rId15"/>
+    <p:sldId id="285" r:id="rId16"/>
+    <p:sldId id="261" r:id="rId17"/>
+    <p:sldId id="289" r:id="rId18"/>
+    <p:sldId id="263" r:id="rId19"/>
+    <p:sldId id="288" r:id="rId20"/>
+    <p:sldId id="260" r:id="rId21"/>
+    <p:sldId id="265" r:id="rId22"/>
+    <p:sldId id="286" r:id="rId23"/>
+    <p:sldId id="267" r:id="rId24"/>
+    <p:sldId id="287" r:id="rId25"/>
   </p:sldIdLst>
   <p:sldSz cx="12192000" cy="6858000"/>
   <p:notesSz cx="6858000" cy="9144000"/>
@@ -2016,6 +2017,13 @@
         </dgm:presLayoutVars>
       </dgm:prSet>
       <dgm:spPr/>
+      <dgm:t>
+        <a:bodyPr/>
+        <a:lstStyle/>
+        <a:p>
+          <a:endParaRPr lang="en-US"/>
+        </a:p>
+      </dgm:t>
     </dgm:pt>
     <dgm:pt modelId="{B35E4346-F8A8-4566-8C5C-02F9CCA9A16E}" type="pres">
       <dgm:prSet presAssocID="{14A0DAAD-F70C-4CFE-B423-3DA92A48F62E}" presName="comp1" presStyleCnt="0"/>
@@ -2114,6 +2122,13 @@
     <dgm:pt modelId="{028BF6A8-4A6B-41CE-9889-14666E4244FD}" type="pres">
       <dgm:prSet presAssocID="{14A0DAAD-F70C-4CFE-B423-3DA92A48F62E}" presName="circle4" presStyleLbl="node1" presStyleIdx="3" presStyleCnt="5"/>
       <dgm:spPr/>
+      <dgm:t>
+        <a:bodyPr/>
+        <a:lstStyle/>
+        <a:p>
+          <a:endParaRPr lang="en-US"/>
+        </a:p>
+      </dgm:t>
     </dgm:pt>
     <dgm:pt modelId="{D4260100-80A4-4D2D-A547-CAF9642A7A4C}" type="pres">
       <dgm:prSet presAssocID="{14A0DAAD-F70C-4CFE-B423-3DA92A48F62E}" presName="c4text" presStyleLbl="node1" presStyleIdx="3" presStyleCnt="5">
@@ -2122,6 +2137,13 @@
         </dgm:presLayoutVars>
       </dgm:prSet>
       <dgm:spPr/>
+      <dgm:t>
+        <a:bodyPr/>
+        <a:lstStyle/>
+        <a:p>
+          <a:endParaRPr lang="en-US"/>
+        </a:p>
+      </dgm:t>
     </dgm:pt>
     <dgm:pt modelId="{7DFA29CC-3574-4657-B7CD-6E3841B98ED0}" type="pres">
       <dgm:prSet presAssocID="{14A0DAAD-F70C-4CFE-B423-3DA92A48F62E}" presName="comp5" presStyleCnt="0"/>
@@ -2130,6 +2152,13 @@
     <dgm:pt modelId="{B3460595-3F82-413A-926A-5B44D2DBB536}" type="pres">
       <dgm:prSet presAssocID="{14A0DAAD-F70C-4CFE-B423-3DA92A48F62E}" presName="circle5" presStyleLbl="node1" presStyleIdx="4" presStyleCnt="5"/>
       <dgm:spPr/>
+      <dgm:t>
+        <a:bodyPr/>
+        <a:lstStyle/>
+        <a:p>
+          <a:endParaRPr lang="en-US"/>
+        </a:p>
+      </dgm:t>
     </dgm:pt>
     <dgm:pt modelId="{95714B32-5131-4AD5-8CD2-F19D474A511A}" type="pres">
       <dgm:prSet presAssocID="{14A0DAAD-F70C-4CFE-B423-3DA92A48F62E}" presName="c5text" presStyleLbl="node1" presStyleIdx="4" presStyleCnt="5">
@@ -2138,25 +2167,32 @@
         </dgm:presLayoutVars>
       </dgm:prSet>
       <dgm:spPr/>
+      <dgm:t>
+        <a:bodyPr/>
+        <a:lstStyle/>
+        <a:p>
+          <a:endParaRPr lang="en-US"/>
+        </a:p>
+      </dgm:t>
     </dgm:pt>
   </dgm:ptLst>
   <dgm:cxnLst>
-    <dgm:cxn modelId="{1AAB4447-C68C-4D41-A9AF-4E68F43BA496}" type="presOf" srcId="{5CA0B539-BED9-4A5A-9A99-465B113A840A}" destId="{B3460595-3F82-413A-926A-5B44D2DBB536}" srcOrd="0" destOrd="0" presId="urn:microsoft.com/office/officeart/2005/8/layout/venn2"/>
+    <dgm:cxn modelId="{6D93CA56-D88F-4099-AA3B-FD94E9F0130C}" type="presOf" srcId="{88E23FEF-A1A6-441A-B7D6-03E8EE7F73CA}" destId="{C9CCBBEA-59B7-46CC-9E80-5B066786FCD1}" srcOrd="0" destOrd="0" presId="urn:microsoft.com/office/officeart/2005/8/layout/venn2"/>
+    <dgm:cxn modelId="{0B2F2D21-DD5B-48BA-8199-2540AF570861}" type="presOf" srcId="{5CA0B539-BED9-4A5A-9A99-465B113A840A}" destId="{95714B32-5131-4AD5-8CD2-F19D474A511A}" srcOrd="1" destOrd="0" presId="urn:microsoft.com/office/officeart/2005/8/layout/venn2"/>
     <dgm:cxn modelId="{1C9F80BF-299D-48D5-90BB-D37988FEA11F}" type="presOf" srcId="{BFAD1D90-32B0-456A-87E4-6B17548CFCC4}" destId="{E630EF0B-3AF0-4879-B0AB-9A5EBACF0A8E}" srcOrd="1" destOrd="0" presId="urn:microsoft.com/office/officeart/2005/8/layout/venn2"/>
-    <dgm:cxn modelId="{8169ACF3-C58E-4043-9065-4D589FE5150D}" type="presOf" srcId="{4CCCA3D3-6092-4CF2-96F2-83BE56744915}" destId="{028BF6A8-4A6B-41CE-9889-14666E4244FD}" srcOrd="0" destOrd="0" presId="urn:microsoft.com/office/officeart/2005/8/layout/venn2"/>
-    <dgm:cxn modelId="{56A81CC2-0666-451C-A0E8-44A62C5796D9}" srcId="{14A0DAAD-F70C-4CFE-B423-3DA92A48F62E}" destId="{88E23FEF-A1A6-441A-B7D6-03E8EE7F73CA}" srcOrd="2" destOrd="0" parTransId="{8C5E4FCF-FABE-4489-8799-ABB2AD882E52}" sibTransId="{E4C8576B-37EB-4861-8687-8FCA1F181CFB}"/>
-    <dgm:cxn modelId="{6D93CA56-D88F-4099-AA3B-FD94E9F0130C}" type="presOf" srcId="{88E23FEF-A1A6-441A-B7D6-03E8EE7F73CA}" destId="{C9CCBBEA-59B7-46CC-9E80-5B066786FCD1}" srcOrd="0" destOrd="0" presId="urn:microsoft.com/office/officeart/2005/8/layout/venn2"/>
-    <dgm:cxn modelId="{A27B0FD2-8CF9-49E8-B433-16E6C7E47F08}" type="presOf" srcId="{4CCCA3D3-6092-4CF2-96F2-83BE56744915}" destId="{D4260100-80A4-4D2D-A547-CAF9642A7A4C}" srcOrd="1" destOrd="0" presId="urn:microsoft.com/office/officeart/2005/8/layout/venn2"/>
-    <dgm:cxn modelId="{C4882AF7-94B3-425A-B014-80D850D26314}" srcId="{14A0DAAD-F70C-4CFE-B423-3DA92A48F62E}" destId="{48440D50-7416-469D-902B-40D0E074DA96}" srcOrd="1" destOrd="0" parTransId="{A923D57A-513A-4E8B-905E-0D1E182E57E2}" sibTransId="{38544525-7C3A-4ABB-97C3-5FDFEB9ACC30}"/>
-    <dgm:cxn modelId="{A1A58F7C-3D58-47C8-9D8E-7D4BFDC7BD3C}" type="presOf" srcId="{48440D50-7416-469D-902B-40D0E074DA96}" destId="{58AC88D6-1F10-4A53-BF77-636E169C9C6C}" srcOrd="0" destOrd="0" presId="urn:microsoft.com/office/officeart/2005/8/layout/venn2"/>
-    <dgm:cxn modelId="{DF66ADEC-7C2F-4E70-B15B-A51BDF1A53F0}" srcId="{14A0DAAD-F70C-4CFE-B423-3DA92A48F62E}" destId="{BFAD1D90-32B0-456A-87E4-6B17548CFCC4}" srcOrd="0" destOrd="0" parTransId="{72E98C62-393C-4222-91D9-6FE357BEB201}" sibTransId="{63A52472-2E11-4170-9C8D-E92815965764}"/>
-    <dgm:cxn modelId="{02FF0375-0B35-4A15-9586-031D1833431A}" type="presOf" srcId="{BFAD1D90-32B0-456A-87E4-6B17548CFCC4}" destId="{E9700D72-DE6E-46CB-9AFD-E9213E6A0ED1}" srcOrd="0" destOrd="0" presId="urn:microsoft.com/office/officeart/2005/8/layout/venn2"/>
     <dgm:cxn modelId="{CAC0C835-0F29-4F2B-B910-1DA98817C8A8}" type="presOf" srcId="{14A0DAAD-F70C-4CFE-B423-3DA92A48F62E}" destId="{43E82822-0589-43C6-9B03-3AB706273B0D}" srcOrd="0" destOrd="0" presId="urn:microsoft.com/office/officeart/2005/8/layout/venn2"/>
     <dgm:cxn modelId="{96235CB9-2A3E-4EA4-842D-8B947DF3C384}" type="presOf" srcId="{48440D50-7416-469D-902B-40D0E074DA96}" destId="{9EBF298C-509E-4BFF-8CD9-E8CCA31C4194}" srcOrd="1" destOrd="0" presId="urn:microsoft.com/office/officeart/2005/8/layout/venn2"/>
-    <dgm:cxn modelId="{0B2F2D21-DD5B-48BA-8199-2540AF570861}" type="presOf" srcId="{5CA0B539-BED9-4A5A-9A99-465B113A840A}" destId="{95714B32-5131-4AD5-8CD2-F19D474A511A}" srcOrd="1" destOrd="0" presId="urn:microsoft.com/office/officeart/2005/8/layout/venn2"/>
+    <dgm:cxn modelId="{8169ACF3-C58E-4043-9065-4D589FE5150D}" type="presOf" srcId="{4CCCA3D3-6092-4CF2-96F2-83BE56744915}" destId="{028BF6A8-4A6B-41CE-9889-14666E4244FD}" srcOrd="0" destOrd="0" presId="urn:microsoft.com/office/officeart/2005/8/layout/venn2"/>
+    <dgm:cxn modelId="{1CB7C8FE-4530-4F06-B9BD-819351F8557C}" type="presOf" srcId="{88E23FEF-A1A6-441A-B7D6-03E8EE7F73CA}" destId="{D817C898-D291-4923-B7D3-46364D68A45F}" srcOrd="1" destOrd="0" presId="urn:microsoft.com/office/officeart/2005/8/layout/venn2"/>
+    <dgm:cxn modelId="{DF66ADEC-7C2F-4E70-B15B-A51BDF1A53F0}" srcId="{14A0DAAD-F70C-4CFE-B423-3DA92A48F62E}" destId="{BFAD1D90-32B0-456A-87E4-6B17548CFCC4}" srcOrd="0" destOrd="0" parTransId="{72E98C62-393C-4222-91D9-6FE357BEB201}" sibTransId="{63A52472-2E11-4170-9C8D-E92815965764}"/>
+    <dgm:cxn modelId="{A27B0FD2-8CF9-49E8-B433-16E6C7E47F08}" type="presOf" srcId="{4CCCA3D3-6092-4CF2-96F2-83BE56744915}" destId="{D4260100-80A4-4D2D-A547-CAF9642A7A4C}" srcOrd="1" destOrd="0" presId="urn:microsoft.com/office/officeart/2005/8/layout/venn2"/>
+    <dgm:cxn modelId="{1AAB4447-C68C-4D41-A9AF-4E68F43BA496}" type="presOf" srcId="{5CA0B539-BED9-4A5A-9A99-465B113A840A}" destId="{B3460595-3F82-413A-926A-5B44D2DBB536}" srcOrd="0" destOrd="0" presId="urn:microsoft.com/office/officeart/2005/8/layout/venn2"/>
     <dgm:cxn modelId="{4C17212F-F174-4372-9828-C585AB088DB2}" srcId="{14A0DAAD-F70C-4CFE-B423-3DA92A48F62E}" destId="{4CCCA3D3-6092-4CF2-96F2-83BE56744915}" srcOrd="3" destOrd="0" parTransId="{7A3BF0D1-0CB8-47D8-86BE-5C01A91C5F01}" sibTransId="{3D5B323E-BCDE-4337-A52B-5DD766DF037D}"/>
-    <dgm:cxn modelId="{1CB7C8FE-4530-4F06-B9BD-819351F8557C}" type="presOf" srcId="{88E23FEF-A1A6-441A-B7D6-03E8EE7F73CA}" destId="{D817C898-D291-4923-B7D3-46364D68A45F}" srcOrd="1" destOrd="0" presId="urn:microsoft.com/office/officeart/2005/8/layout/venn2"/>
+    <dgm:cxn modelId="{A1A58F7C-3D58-47C8-9D8E-7D4BFDC7BD3C}" type="presOf" srcId="{48440D50-7416-469D-902B-40D0E074DA96}" destId="{58AC88D6-1F10-4A53-BF77-636E169C9C6C}" srcOrd="0" destOrd="0" presId="urn:microsoft.com/office/officeart/2005/8/layout/venn2"/>
     <dgm:cxn modelId="{E2C99D3E-1E87-42F2-A4CA-650CD7A83E03}" srcId="{14A0DAAD-F70C-4CFE-B423-3DA92A48F62E}" destId="{5CA0B539-BED9-4A5A-9A99-465B113A840A}" srcOrd="4" destOrd="0" parTransId="{14B1F7CB-B089-4151-BE9A-CDB3CB0B1179}" sibTransId="{175321B0-BA1B-41A9-ACE7-4DFDB80198A4}"/>
+    <dgm:cxn modelId="{56A81CC2-0666-451C-A0E8-44A62C5796D9}" srcId="{14A0DAAD-F70C-4CFE-B423-3DA92A48F62E}" destId="{88E23FEF-A1A6-441A-B7D6-03E8EE7F73CA}" srcOrd="2" destOrd="0" parTransId="{8C5E4FCF-FABE-4489-8799-ABB2AD882E52}" sibTransId="{E4C8576B-37EB-4861-8687-8FCA1F181CFB}"/>
+    <dgm:cxn modelId="{02FF0375-0B35-4A15-9586-031D1833431A}" type="presOf" srcId="{BFAD1D90-32B0-456A-87E4-6B17548CFCC4}" destId="{E9700D72-DE6E-46CB-9AFD-E9213E6A0ED1}" srcOrd="0" destOrd="0" presId="urn:microsoft.com/office/officeart/2005/8/layout/venn2"/>
+    <dgm:cxn modelId="{C4882AF7-94B3-425A-B014-80D850D26314}" srcId="{14A0DAAD-F70C-4CFE-B423-3DA92A48F62E}" destId="{48440D50-7416-469D-902B-40D0E074DA96}" srcOrd="1" destOrd="0" parTransId="{A923D57A-513A-4E8B-905E-0D1E182E57E2}" sibTransId="{38544525-7C3A-4ABB-97C3-5FDFEB9ACC30}"/>
     <dgm:cxn modelId="{40155FC0-0C5E-4B4E-9A3C-931559BE37AC}" type="presParOf" srcId="{43E82822-0589-43C6-9B03-3AB706273B0D}" destId="{B35E4346-F8A8-4566-8C5C-02F9CCA9A16E}" srcOrd="0" destOrd="0" presId="urn:microsoft.com/office/officeart/2005/8/layout/venn2"/>
     <dgm:cxn modelId="{2236DA2C-2D2D-4A85-80C4-43F5D2A6C081}" type="presParOf" srcId="{B35E4346-F8A8-4566-8C5C-02F9CCA9A16E}" destId="{E9700D72-DE6E-46CB-9AFD-E9213E6A0ED1}" srcOrd="0" destOrd="0" presId="urn:microsoft.com/office/officeart/2005/8/layout/venn2"/>
     <dgm:cxn modelId="{939D36EA-5819-474C-B594-A3C7D27C7096}" type="presParOf" srcId="{B35E4346-F8A8-4566-8C5C-02F9CCA9A16E}" destId="{E630EF0B-3AF0-4879-B0AB-9A5EBACF0A8E}" srcOrd="1" destOrd="0" presId="urn:microsoft.com/office/officeart/2005/8/layout/venn2"/>
@@ -2890,298 +2926,6 @@
       <dsp:cNvGrpSpPr/>
     </dsp:nvGrpSpPr>
     <dsp:grpSpPr/>
-    <dsp:sp modelId="{861FDCB7-2F08-4A33-B7FD-FD9C9210493D}">
-      <dsp:nvSpPr>
-        <dsp:cNvPr id="0" name=""/>
-        <dsp:cNvSpPr/>
-      </dsp:nvSpPr>
-      <dsp:spPr>
-        <a:xfrm>
-          <a:off x="4089842" y="1359953"/>
-          <a:ext cx="2853215" cy="2853215"/>
-        </a:xfrm>
-        <a:prstGeom prst="ellipse">
-          <a:avLst/>
-        </a:prstGeom>
-        <a:solidFill>
-          <a:srgbClr val="00B0F0"/>
-        </a:solidFill>
-        <a:ln w="15875" cap="rnd" cmpd="sng" algn="ctr">
-          <a:solidFill>
-            <a:schemeClr val="dk1">
-              <a:shade val="80000"/>
-              <a:hueOff val="0"/>
-              <a:satOff val="0"/>
-              <a:lumOff val="0"/>
-              <a:alphaOff val="0"/>
-            </a:schemeClr>
-          </a:solidFill>
-          <a:prstDash val="solid"/>
-        </a:ln>
-        <a:effectLst/>
-      </dsp:spPr>
-      <dsp:style>
-        <a:lnRef idx="2">
-          <a:scrgbClr r="0" g="0" b="0"/>
-        </a:lnRef>
-        <a:fillRef idx="1">
-          <a:scrgbClr r="0" g="0" b="0"/>
-        </a:fillRef>
-        <a:effectRef idx="0">
-          <a:scrgbClr r="0" g="0" b="0"/>
-        </a:effectRef>
-        <a:fontRef idx="minor">
-          <a:schemeClr val="tx1"/>
-        </a:fontRef>
-      </dsp:style>
-      <dsp:txBody>
-        <a:bodyPr spcFirstLastPara="0" vert="horz" wrap="square" lIns="82550" tIns="82550" rIns="82550" bIns="82550" numCol="1" spcCol="1270" anchor="ctr" anchorCtr="0">
-          <a:noAutofit/>
-        </a:bodyPr>
-        <a:lstStyle/>
-        <a:p>
-          <a:pPr lvl="0" algn="ctr" defTabSz="2889250">
-            <a:lnSpc>
-              <a:spcPct val="90000"/>
-            </a:lnSpc>
-            <a:spcBef>
-              <a:spcPct val="0"/>
-            </a:spcBef>
-            <a:spcAft>
-              <a:spcPct val="35000"/>
-            </a:spcAft>
-          </a:pPr>
-          <a:r>
-            <a:rPr lang="en-US" sz="6500" kern="1200" dirty="0" smtClean="0"/>
-            <a:t>TDD</a:t>
-          </a:r>
-          <a:endParaRPr lang="en-US" sz="6500" kern="1200" dirty="0"/>
-        </a:p>
-      </dsp:txBody>
-      <dsp:txXfrm>
-        <a:off x="4507686" y="1777797"/>
-        <a:ext cx="2017527" cy="2017527"/>
-      </dsp:txXfrm>
-    </dsp:sp>
-    <dsp:sp modelId="{C2FAB5A4-28D9-493D-A15C-FF5CA217E158}">
-      <dsp:nvSpPr>
-        <dsp:cNvPr id="0" name=""/>
-        <dsp:cNvSpPr/>
-      </dsp:nvSpPr>
-      <dsp:spPr>
-        <a:xfrm>
-          <a:off x="4803146" y="216973"/>
-          <a:ext cx="1426607" cy="1426607"/>
-        </a:xfrm>
-        <a:prstGeom prst="ellipse">
-          <a:avLst/>
-        </a:prstGeom>
-        <a:solidFill>
-          <a:srgbClr val="FF0000"/>
-        </a:solidFill>
-        <a:ln w="15875" cap="rnd" cmpd="sng" algn="ctr">
-          <a:solidFill>
-            <a:schemeClr val="dk1">
-              <a:shade val="80000"/>
-              <a:hueOff val="0"/>
-              <a:satOff val="0"/>
-              <a:lumOff val="0"/>
-              <a:alphaOff val="0"/>
-            </a:schemeClr>
-          </a:solidFill>
-          <a:prstDash val="solid"/>
-        </a:ln>
-        <a:effectLst/>
-      </dsp:spPr>
-      <dsp:style>
-        <a:lnRef idx="2">
-          <a:scrgbClr r="0" g="0" b="0"/>
-        </a:lnRef>
-        <a:fillRef idx="1">
-          <a:scrgbClr r="0" g="0" b="0"/>
-        </a:fillRef>
-        <a:effectRef idx="0">
-          <a:scrgbClr r="0" g="0" b="0"/>
-        </a:effectRef>
-        <a:fontRef idx="minor">
-          <a:schemeClr val="tx1"/>
-        </a:fontRef>
-      </dsp:style>
-      <dsp:txBody>
-        <a:bodyPr spcFirstLastPara="0" vert="horz" wrap="square" lIns="26670" tIns="26670" rIns="26670" bIns="26670" numCol="1" spcCol="1270" anchor="ctr" anchorCtr="0">
-          <a:noAutofit/>
-        </a:bodyPr>
-        <a:lstStyle/>
-        <a:p>
-          <a:pPr lvl="0" algn="ctr" defTabSz="933450">
-            <a:lnSpc>
-              <a:spcPct val="90000"/>
-            </a:lnSpc>
-            <a:spcBef>
-              <a:spcPct val="0"/>
-            </a:spcBef>
-            <a:spcAft>
-              <a:spcPct val="35000"/>
-            </a:spcAft>
-          </a:pPr>
-          <a:r>
-            <a:rPr lang="en-US" sz="2100" kern="1200" dirty="0" smtClean="0"/>
-            <a:t>Red</a:t>
-          </a:r>
-          <a:endParaRPr lang="en-US" sz="2100" kern="1200" dirty="0"/>
-        </a:p>
-      </dsp:txBody>
-      <dsp:txXfrm>
-        <a:off x="5012068" y="425895"/>
-        <a:ext cx="1008763" cy="1008763"/>
-      </dsp:txXfrm>
-    </dsp:sp>
-    <dsp:sp modelId="{F3E615F4-8F86-454E-892D-9F5ABB056AA3}">
-      <dsp:nvSpPr>
-        <dsp:cNvPr id="0" name=""/>
-        <dsp:cNvSpPr/>
-      </dsp:nvSpPr>
-      <dsp:spPr>
-        <a:xfrm>
-          <a:off x="6410735" y="3001399"/>
-          <a:ext cx="1426607" cy="1426607"/>
-        </a:xfrm>
-        <a:prstGeom prst="ellipse">
-          <a:avLst/>
-        </a:prstGeom>
-        <a:solidFill>
-          <a:srgbClr val="92D050"/>
-        </a:solidFill>
-        <a:ln w="15875" cap="rnd" cmpd="sng" algn="ctr">
-          <a:solidFill>
-            <a:schemeClr val="dk1">
-              <a:shade val="80000"/>
-              <a:hueOff val="0"/>
-              <a:satOff val="0"/>
-              <a:lumOff val="0"/>
-              <a:alphaOff val="0"/>
-            </a:schemeClr>
-          </a:solidFill>
-          <a:prstDash val="solid"/>
-        </a:ln>
-        <a:effectLst/>
-      </dsp:spPr>
-      <dsp:style>
-        <a:lnRef idx="2">
-          <a:scrgbClr r="0" g="0" b="0"/>
-        </a:lnRef>
-        <a:fillRef idx="1">
-          <a:scrgbClr r="0" g="0" b="0"/>
-        </a:fillRef>
-        <a:effectRef idx="0">
-          <a:scrgbClr r="0" g="0" b="0"/>
-        </a:effectRef>
-        <a:fontRef idx="minor">
-          <a:schemeClr val="tx1"/>
-        </a:fontRef>
-      </dsp:style>
-      <dsp:txBody>
-        <a:bodyPr spcFirstLastPara="0" vert="horz" wrap="square" lIns="26670" tIns="26670" rIns="26670" bIns="26670" numCol="1" spcCol="1270" anchor="ctr" anchorCtr="0">
-          <a:noAutofit/>
-        </a:bodyPr>
-        <a:lstStyle/>
-        <a:p>
-          <a:pPr lvl="0" algn="ctr" defTabSz="933450">
-            <a:lnSpc>
-              <a:spcPct val="90000"/>
-            </a:lnSpc>
-            <a:spcBef>
-              <a:spcPct val="0"/>
-            </a:spcBef>
-            <a:spcAft>
-              <a:spcPct val="35000"/>
-            </a:spcAft>
-          </a:pPr>
-          <a:r>
-            <a:rPr lang="en-US" sz="2100" kern="1200" dirty="0" smtClean="0"/>
-            <a:t>Green</a:t>
-          </a:r>
-          <a:endParaRPr lang="en-US" sz="2100" kern="1200" dirty="0"/>
-        </a:p>
-      </dsp:txBody>
-      <dsp:txXfrm>
-        <a:off x="6619657" y="3210321"/>
-        <a:ext cx="1008763" cy="1008763"/>
-      </dsp:txXfrm>
-    </dsp:sp>
-    <dsp:sp modelId="{84962C3E-5FED-4032-A5A3-C44697AC7139}">
-      <dsp:nvSpPr>
-        <dsp:cNvPr id="0" name=""/>
-        <dsp:cNvSpPr/>
-      </dsp:nvSpPr>
-      <dsp:spPr>
-        <a:xfrm>
-          <a:off x="3195557" y="3001399"/>
-          <a:ext cx="1426607" cy="1426607"/>
-        </a:xfrm>
-        <a:prstGeom prst="ellipse">
-          <a:avLst/>
-        </a:prstGeom>
-        <a:solidFill>
-          <a:srgbClr val="7030A0"/>
-        </a:solidFill>
-        <a:ln w="15875" cap="rnd" cmpd="sng" algn="ctr">
-          <a:solidFill>
-            <a:schemeClr val="dk1">
-              <a:shade val="80000"/>
-              <a:hueOff val="0"/>
-              <a:satOff val="0"/>
-              <a:lumOff val="0"/>
-              <a:alphaOff val="0"/>
-            </a:schemeClr>
-          </a:solidFill>
-          <a:prstDash val="solid"/>
-        </a:ln>
-        <a:effectLst/>
-      </dsp:spPr>
-      <dsp:style>
-        <a:lnRef idx="2">
-          <a:scrgbClr r="0" g="0" b="0"/>
-        </a:lnRef>
-        <a:fillRef idx="1">
-          <a:scrgbClr r="0" g="0" b="0"/>
-        </a:fillRef>
-        <a:effectRef idx="0">
-          <a:scrgbClr r="0" g="0" b="0"/>
-        </a:effectRef>
-        <a:fontRef idx="minor">
-          <a:schemeClr val="tx1"/>
-        </a:fontRef>
-      </dsp:style>
-      <dsp:txBody>
-        <a:bodyPr spcFirstLastPara="0" vert="horz" wrap="square" lIns="26670" tIns="26670" rIns="26670" bIns="26670" numCol="1" spcCol="1270" anchor="ctr" anchorCtr="0">
-          <a:noAutofit/>
-        </a:bodyPr>
-        <a:lstStyle/>
-        <a:p>
-          <a:pPr lvl="0" algn="ctr" defTabSz="933450">
-            <a:lnSpc>
-              <a:spcPct val="90000"/>
-            </a:lnSpc>
-            <a:spcBef>
-              <a:spcPct val="0"/>
-            </a:spcBef>
-            <a:spcAft>
-              <a:spcPct val="35000"/>
-            </a:spcAft>
-          </a:pPr>
-          <a:r>
-            <a:rPr lang="en-US" sz="2100" kern="1200" dirty="0" smtClean="0"/>
-            <a:t>Refactor</a:t>
-          </a:r>
-          <a:endParaRPr lang="en-US" sz="2100" kern="1200" dirty="0"/>
-        </a:p>
-      </dsp:txBody>
-      <dsp:txXfrm>
-        <a:off x="3404479" y="3210321"/>
-        <a:ext cx="1008763" cy="1008763"/>
-      </dsp:txXfrm>
-    </dsp:sp>
   </dsp:spTree>
 </dsp:drawing>
 </file>
@@ -6610,7 +6354,7 @@
             <a:fld id="{B61BEF0D-F0BB-DE4B-95CE-6DB70DBA9567}" type="datetimeFigureOut">
               <a:rPr lang="en-US" dirty="0"/>
               <a:pPr/>
-              <a:t>11/25/2013</a:t>
+              <a:t>12/3/2013</a:t>
             </a:fld>
             <a:endParaRPr lang="en-US" dirty="0"/>
           </a:p>
@@ -6903,7 +6647,7 @@
             <a:fld id="{B61BEF0D-F0BB-DE4B-95CE-6DB70DBA9567}" type="datetimeFigureOut">
               <a:rPr lang="en-US" dirty="0"/>
               <a:pPr/>
-              <a:t>11/25/2013</a:t>
+              <a:t>12/3/2013</a:t>
             </a:fld>
             <a:endParaRPr lang="en-US" dirty="0"/>
           </a:p>
@@ -7148,7 +6892,7 @@
             <a:fld id="{B61BEF0D-F0BB-DE4B-95CE-6DB70DBA9567}" type="datetimeFigureOut">
               <a:rPr lang="en-US" dirty="0"/>
               <a:pPr/>
-              <a:t>11/25/2013</a:t>
+              <a:t>12/3/2013</a:t>
             </a:fld>
             <a:endParaRPr lang="en-US" dirty="0"/>
           </a:p>
@@ -7685,7 +7429,7 @@
             <a:fld id="{B61BEF0D-F0BB-DE4B-95CE-6DB70DBA9567}" type="datetimeFigureOut">
               <a:rPr lang="en-US" dirty="0"/>
               <a:pPr/>
-              <a:t>11/25/2013</a:t>
+              <a:t>12/3/2013</a:t>
             </a:fld>
             <a:endParaRPr lang="en-US" dirty="0"/>
           </a:p>
@@ -7930,7 +7674,7 @@
             <a:fld id="{B61BEF0D-F0BB-DE4B-95CE-6DB70DBA9567}" type="datetimeFigureOut">
               <a:rPr lang="en-US" dirty="0"/>
               <a:pPr/>
-              <a:t>11/25/2013</a:t>
+              <a:t>12/3/2013</a:t>
             </a:fld>
             <a:endParaRPr lang="en-US" dirty="0"/>
           </a:p>
@@ -8459,7 +8203,7 @@
             <a:fld id="{B61BEF0D-F0BB-DE4B-95CE-6DB70DBA9567}" type="datetimeFigureOut">
               <a:rPr lang="en-US" dirty="0"/>
               <a:pPr/>
-              <a:t>11/25/2013</a:t>
+              <a:t>12/3/2013</a:t>
             </a:fld>
             <a:endParaRPr lang="en-US" dirty="0"/>
           </a:p>
@@ -8753,7 +8497,7 @@
             <a:fld id="{B61BEF0D-F0BB-DE4B-95CE-6DB70DBA9567}" type="datetimeFigureOut">
               <a:rPr lang="en-US" dirty="0"/>
               <a:pPr/>
-              <a:t>11/25/2013</a:t>
+              <a:t>12/3/2013</a:t>
             </a:fld>
             <a:endParaRPr lang="en-US" dirty="0"/>
           </a:p>
@@ -8924,7 +8668,7 @@
             <a:fld id="{B61BEF0D-F0BB-DE4B-95CE-6DB70DBA9567}" type="datetimeFigureOut">
               <a:rPr lang="en-US" dirty="0"/>
               <a:pPr/>
-              <a:t>11/25/2013</a:t>
+              <a:t>12/3/2013</a:t>
             </a:fld>
             <a:endParaRPr lang="en-US" dirty="0"/>
           </a:p>
@@ -9101,7 +8845,7 @@
             <a:fld id="{B61BEF0D-F0BB-DE4B-95CE-6DB70DBA9567}" type="datetimeFigureOut">
               <a:rPr lang="en-US" dirty="0"/>
               <a:pPr/>
-              <a:t>11/25/2013</a:t>
+              <a:t>12/3/2013</a:t>
             </a:fld>
             <a:endParaRPr lang="en-US" dirty="0"/>
           </a:p>
@@ -9268,7 +9012,7 @@
             <a:fld id="{B61BEF0D-F0BB-DE4B-95CE-6DB70DBA9567}" type="datetimeFigureOut">
               <a:rPr lang="en-US" dirty="0"/>
               <a:pPr/>
-              <a:t>11/25/2013</a:t>
+              <a:t>12/3/2013</a:t>
             </a:fld>
             <a:endParaRPr lang="en-US" dirty="0"/>
           </a:p>
@@ -9516,7 +9260,7 @@
             <a:fld id="{B61BEF0D-F0BB-DE4B-95CE-6DB70DBA9567}" type="datetimeFigureOut">
               <a:rPr lang="en-US" dirty="0"/>
               <a:pPr/>
-              <a:t>11/25/2013</a:t>
+              <a:t>12/3/2013</a:t>
             </a:fld>
             <a:endParaRPr lang="en-US" dirty="0"/>
           </a:p>
@@ -9810,7 +9554,7 @@
             <a:fld id="{B61BEF0D-F0BB-DE4B-95CE-6DB70DBA9567}" type="datetimeFigureOut">
               <a:rPr lang="en-US" dirty="0"/>
               <a:pPr/>
-              <a:t>11/25/2013</a:t>
+              <a:t>12/3/2013</a:t>
             </a:fld>
             <a:endParaRPr lang="en-US" dirty="0"/>
           </a:p>
@@ -10249,7 +9993,7 @@
             <a:fld id="{B61BEF0D-F0BB-DE4B-95CE-6DB70DBA9567}" type="datetimeFigureOut">
               <a:rPr lang="en-US" dirty="0"/>
               <a:pPr/>
-              <a:t>11/25/2013</a:t>
+              <a:t>12/3/2013</a:t>
             </a:fld>
             <a:endParaRPr lang="en-US" dirty="0"/>
           </a:p>
@@ -10364,7 +10108,7 @@
             <a:fld id="{B61BEF0D-F0BB-DE4B-95CE-6DB70DBA9567}" type="datetimeFigureOut">
               <a:rPr lang="en-US" dirty="0"/>
               <a:pPr/>
-              <a:t>11/25/2013</a:t>
+              <a:t>12/3/2013</a:t>
             </a:fld>
             <a:endParaRPr lang="en-US" dirty="0"/>
           </a:p>
@@ -10456,7 +10200,7 @@
             <a:fld id="{B61BEF0D-F0BB-DE4B-95CE-6DB70DBA9567}" type="datetimeFigureOut">
               <a:rPr lang="en-US" dirty="0"/>
               <a:pPr/>
-              <a:t>11/25/2013</a:t>
+              <a:t>12/3/2013</a:t>
             </a:fld>
             <a:endParaRPr lang="en-US" dirty="0"/>
           </a:p>
@@ -10736,7 +10480,7 @@
             <a:fld id="{B61BEF0D-F0BB-DE4B-95CE-6DB70DBA9567}" type="datetimeFigureOut">
               <a:rPr lang="en-US" dirty="0"/>
               <a:pPr/>
-              <a:t>11/25/2013</a:t>
+              <a:t>12/3/2013</a:t>
             </a:fld>
             <a:endParaRPr lang="en-US" dirty="0"/>
           </a:p>
@@ -11024,7 +10768,7 @@
             <a:fld id="{B61BEF0D-F0BB-DE4B-95CE-6DB70DBA9567}" type="datetimeFigureOut">
               <a:rPr lang="en-US" dirty="0"/>
               <a:pPr/>
-              <a:t>11/25/2013</a:t>
+              <a:t>12/3/2013</a:t>
             </a:fld>
             <a:endParaRPr lang="en-US" dirty="0"/>
           </a:p>
@@ -11551,7 +11295,7 @@
             <a:fld id="{B61BEF0D-F0BB-DE4B-95CE-6DB70DBA9567}" type="datetimeFigureOut">
               <a:rPr lang="en-US" dirty="0"/>
               <a:pPr/>
-              <a:t>11/25/2013</a:t>
+              <a:t>12/3/2013</a:t>
             </a:fld>
             <a:endParaRPr lang="en-US" dirty="0"/>
           </a:p>
@@ -12134,11 +11878,11 @@
   <p:clrMapOvr>
     <a:masterClrMapping/>
   </p:clrMapOvr>
-  <mc:AlternateContent xmlns:mc="http://schemas.openxmlformats.org/markup-compatibility/2006">
-    <mc:Choice xmlns:p14="http://schemas.microsoft.com/office/powerpoint/2010/main" Requires="p14">
+  <mc:AlternateContent xmlns:mc="http://schemas.openxmlformats.org/markup-compatibility/2006" xmlns:p14="http://schemas.microsoft.com/office/powerpoint/2010/main">
+    <mc:Choice Requires="p14">
       <p:transition spd="slow" p14:dur="2000"/>
     </mc:Choice>
-    <mc:Fallback>
+    <mc:Fallback xmlns="">
       <p:transition spd="slow"/>
     </mc:Fallback>
   </mc:AlternateContent>
@@ -12211,11 +11955,7 @@
           <a:p>
             <a:r>
               <a:rPr lang="en-US" dirty="0" smtClean="0"/>
-              <a:t>Smallest Unit of functionality, typically testin</a:t>
-            </a:r>
-            <a:r>
-              <a:rPr lang="en-US" dirty="0" smtClean="0"/>
-              <a:t>g a method or a function.</a:t>
+              <a:t>Smallest Unit of functionality, typically testing a method or a function.</a:t>
             </a:r>
           </a:p>
           <a:p>
@@ -12254,13 +11994,8 @@
             <a:pPr lvl="1"/>
             <a:r>
               <a:rPr lang="en-US" dirty="0" smtClean="0"/>
-              <a:t>Use the file system</a:t>
-            </a:r>
-            <a:r>
-              <a:rPr lang="en-US" dirty="0" smtClean="0"/>
-              <a:t> </a:t>
-            </a:r>
-            <a:endParaRPr lang="en-US" dirty="0" smtClean="0"/>
+              <a:t>Use the file system </a:t>
+            </a:r>
           </a:p>
           <a:p>
             <a:r>
@@ -12325,11 +12060,7 @@
           <a:p>
             <a:r>
               <a:rPr lang="en-US" dirty="0" smtClean="0"/>
-              <a:t>Unit </a:t>
-            </a:r>
-            <a:r>
-              <a:rPr lang="en-US" dirty="0" smtClean="0"/>
-              <a:t>Test - Frameworks</a:t>
+              <a:t>Unit Test - Frameworks</a:t>
             </a:r>
             <a:endParaRPr lang="en-US" dirty="0"/>
           </a:p>
@@ -12613,7 +12344,6 @@
               <a:rPr lang="en-US" dirty="0" smtClean="0"/>
               <a:t>Beck's.</a:t>
             </a:r>
-            <a:endParaRPr lang="en-US" dirty="0" smtClean="0"/>
           </a:p>
         </p:txBody>
       </p:sp>
@@ -12819,6 +12549,125 @@
 </file>
 
 <file path=ppt/slides/slide14.xml><?xml version="1.0" encoding="utf-8"?>
+<p:sld xmlns:a="http://schemas.openxmlformats.org/drawingml/2006/main" xmlns:r="http://schemas.openxmlformats.org/officeDocument/2006/relationships" xmlns:p="http://schemas.openxmlformats.org/presentationml/2006/main">
+  <p:cSld>
+    <p:spTree>
+      <p:nvGrpSpPr>
+        <p:cNvPr id="1" name=""/>
+        <p:cNvGrpSpPr/>
+        <p:nvPr/>
+      </p:nvGrpSpPr>
+      <p:grpSpPr>
+        <a:xfrm>
+          <a:off x="0" y="0"/>
+          <a:ext cx="0" cy="0"/>
+          <a:chOff x="0" y="0"/>
+          <a:chExt cx="0" cy="0"/>
+        </a:xfrm>
+      </p:grpSpPr>
+      <p:sp>
+        <p:nvSpPr>
+          <p:cNvPr id="2" name="Title 1"/>
+          <p:cNvSpPr>
+            <a:spLocks noGrp="1"/>
+          </p:cNvSpPr>
+          <p:nvPr>
+            <p:ph type="title"/>
+          </p:nvPr>
+        </p:nvSpPr>
+        <p:spPr/>
+        <p:txBody>
+          <a:bodyPr/>
+          <a:lstStyle/>
+          <a:p>
+            <a:r>
+              <a:rPr lang="en-US" dirty="0" smtClean="0"/>
+              <a:t>Unit </a:t>
+            </a:r>
+            <a:r>
+              <a:rPr lang="en-US" dirty="0" smtClean="0"/>
+              <a:t>Test – Name </a:t>
+            </a:r>
+            <a:r>
+              <a:rPr lang="en-US" dirty="0" err="1" smtClean="0"/>
+              <a:t>Convetion</a:t>
+            </a:r>
+            <a:endParaRPr lang="en-US" dirty="0"/>
+          </a:p>
+        </p:txBody>
+      </p:sp>
+      <p:sp>
+        <p:nvSpPr>
+          <p:cNvPr id="3" name="Content Placeholder 2"/>
+          <p:cNvSpPr>
+            <a:spLocks noGrp="1"/>
+          </p:cNvSpPr>
+          <p:nvPr>
+            <p:ph idx="1"/>
+          </p:nvPr>
+        </p:nvSpPr>
+        <p:spPr/>
+        <p:txBody>
+          <a:bodyPr>
+            <a:normAutofit/>
+          </a:bodyPr>
+          <a:lstStyle/>
+          <a:p>
+            <a:r>
+              <a:rPr lang="en-US" dirty="0" err="1" smtClean="0"/>
+              <a:t>Test_Method_Parameters_Result</a:t>
+            </a:r>
+            <a:endParaRPr lang="en-US" dirty="0" smtClean="0"/>
+          </a:p>
+          <a:p>
+            <a:r>
+              <a:rPr lang="en-US" dirty="0" smtClean="0"/>
+              <a:t>Examples</a:t>
+            </a:r>
+          </a:p>
+          <a:p>
+            <a:pPr lvl="1"/>
+            <a:r>
+              <a:rPr lang="en-US" dirty="0" smtClean="0"/>
+              <a:t>Test_Add_1and2_3()</a:t>
+            </a:r>
+          </a:p>
+          <a:p>
+            <a:pPr lvl="1"/>
+            <a:r>
+              <a:rPr lang="en-US" dirty="0" smtClean="0"/>
+              <a:t>Test_Divide_1and0_ExceptionDivideZero()</a:t>
+            </a:r>
+          </a:p>
+          <a:p>
+            <a:pPr marL="457200" lvl="1" indent="0">
+              <a:buNone/>
+            </a:pPr>
+            <a:endParaRPr lang="en-US" dirty="0"/>
+          </a:p>
+        </p:txBody>
+      </p:sp>
+    </p:spTree>
+    <p:extLst>
+      <p:ext uri="{BB962C8B-B14F-4D97-AF65-F5344CB8AC3E}">
+        <p14:creationId xmlns:p14="http://schemas.microsoft.com/office/powerpoint/2010/main" val="4131676250"/>
+      </p:ext>
+    </p:extLst>
+  </p:cSld>
+  <p:clrMapOvr>
+    <a:masterClrMapping/>
+  </p:clrMapOvr>
+  <p:timing>
+    <p:tnLst>
+      <p:par>
+        <p:cTn id="1" dur="indefinite" restart="never" nodeType="tmRoot"/>
+      </p:par>
+    </p:tnLst>
+  </p:timing>
+</p:sld>
+</file>
+
+<file path=ppt/slides/slide15.xml><?xml version="1.0" encoding="utf-8"?>
 <p:sld xmlns:a="http://schemas.openxmlformats.org/drawingml/2006/main" xmlns:r="http://schemas.openxmlformats.org/officeDocument/2006/relationships" xmlns:p="http://schemas.openxmlformats.org/presentationml/2006/main">
   <p:cSld>
     <p:spTree>
@@ -13061,7 +12910,7 @@
 </p:sld>
 </file>
 
-<file path=ppt/slides/slide15.xml><?xml version="1.0" encoding="utf-8"?>
+<file path=ppt/slides/slide16.xml><?xml version="1.0" encoding="utf-8"?>
 <p:sld xmlns:a="http://schemas.openxmlformats.org/drawingml/2006/main" xmlns:r="http://schemas.openxmlformats.org/officeDocument/2006/relationships" xmlns:p="http://schemas.openxmlformats.org/presentationml/2006/main">
   <p:cSld>
     <p:spTree>
@@ -13150,7 +12999,7 @@
 </p:sld>
 </file>
 
-<file path=ppt/slides/slide16.xml><?xml version="1.0" encoding="utf-8"?>
+<file path=ppt/slides/slide17.xml><?xml version="1.0" encoding="utf-8"?>
 <p:sld xmlns:a="http://schemas.openxmlformats.org/drawingml/2006/main" xmlns:r="http://schemas.openxmlformats.org/officeDocument/2006/relationships" xmlns:p="http://schemas.openxmlformats.org/presentationml/2006/main">
   <p:cSld>
     <p:spTree>
@@ -13251,7 +13100,7 @@
 </p:sld>
 </file>
 
-<file path=ppt/slides/slide17.xml><?xml version="1.0" encoding="utf-8"?>
+<file path=ppt/slides/slide18.xml><?xml version="1.0" encoding="utf-8"?>
 <p:sld xmlns:a="http://schemas.openxmlformats.org/drawingml/2006/main" xmlns:r="http://schemas.openxmlformats.org/officeDocument/2006/relationships" xmlns:p="http://schemas.openxmlformats.org/presentationml/2006/main">
   <p:cSld>
     <p:spTree>
@@ -13584,7 +13433,7 @@
 </p:sld>
 </file>
 
-<file path=ppt/slides/slide18.xml><?xml version="1.0" encoding="utf-8"?>
+<file path=ppt/slides/slide19.xml><?xml version="1.0" encoding="utf-8"?>
 <p:sld xmlns:a="http://schemas.openxmlformats.org/drawingml/2006/main" xmlns:r="http://schemas.openxmlformats.org/officeDocument/2006/relationships" xmlns:p="http://schemas.openxmlformats.org/presentationml/2006/main">
   <p:cSld>
     <p:spTree>
@@ -13662,131 +13511,6 @@
     <p:extLst>
       <p:ext uri="{BB962C8B-B14F-4D97-AF65-F5344CB8AC3E}">
         <p14:creationId xmlns:p14="http://schemas.microsoft.com/office/powerpoint/2010/main" val="3608836378"/>
-      </p:ext>
-    </p:extLst>
-  </p:cSld>
-  <p:clrMapOvr>
-    <a:masterClrMapping/>
-  </p:clrMapOvr>
-  <p:timing>
-    <p:tnLst>
-      <p:par>
-        <p:cTn id="1" dur="indefinite" restart="never" nodeType="tmRoot"/>
-      </p:par>
-    </p:tnLst>
-  </p:timing>
-</p:sld>
-</file>
-
-<file path=ppt/slides/slide19.xml><?xml version="1.0" encoding="utf-8"?>
-<p:sld xmlns:a="http://schemas.openxmlformats.org/drawingml/2006/main" xmlns:r="http://schemas.openxmlformats.org/officeDocument/2006/relationships" xmlns:p="http://schemas.openxmlformats.org/presentationml/2006/main">
-  <p:cSld>
-    <p:spTree>
-      <p:nvGrpSpPr>
-        <p:cNvPr id="1" name=""/>
-        <p:cNvGrpSpPr/>
-        <p:nvPr/>
-      </p:nvGrpSpPr>
-      <p:grpSpPr>
-        <a:xfrm>
-          <a:off x="0" y="0"/>
-          <a:ext cx="0" cy="0"/>
-          <a:chOff x="0" y="0"/>
-          <a:chExt cx="0" cy="0"/>
-        </a:xfrm>
-      </p:grpSpPr>
-      <p:sp>
-        <p:nvSpPr>
-          <p:cNvPr id="2" name="Title 1"/>
-          <p:cNvSpPr>
-            <a:spLocks noGrp="1"/>
-          </p:cNvSpPr>
-          <p:nvPr>
-            <p:ph type="title"/>
-          </p:nvPr>
-        </p:nvSpPr>
-        <p:spPr/>
-        <p:txBody>
-          <a:bodyPr/>
-          <a:lstStyle/>
-          <a:p>
-            <a:r>
-              <a:rPr lang="en-US" dirty="0" smtClean="0"/>
-              <a:t>TDD Laws</a:t>
-            </a:r>
-            <a:endParaRPr lang="en-US" dirty="0"/>
-          </a:p>
-        </p:txBody>
-      </p:sp>
-      <p:sp>
-        <p:nvSpPr>
-          <p:cNvPr id="3" name="Content Placeholder 2"/>
-          <p:cNvSpPr>
-            <a:spLocks noGrp="1"/>
-          </p:cNvSpPr>
-          <p:nvPr>
-            <p:ph idx="1"/>
-          </p:nvPr>
-        </p:nvSpPr>
-        <p:spPr/>
-        <p:txBody>
-          <a:bodyPr/>
-          <a:lstStyle/>
-          <a:p>
-            <a:r>
-              <a:rPr lang="en-US" dirty="0"/>
-              <a:t>You are not allowed to write any production code unless it is to make a failing unit test pass.</a:t>
-            </a:r>
-          </a:p>
-          <a:p>
-            <a:r>
-              <a:rPr lang="en-US" dirty="0"/>
-              <a:t>You are not allowed to write any more of a unit test than is sufficient to fail; and compilation failures are failures</a:t>
-            </a:r>
-          </a:p>
-          <a:p>
-            <a:r>
-              <a:rPr lang="en-US" dirty="0"/>
-              <a:t>You are not allowed to write any more production code than is sufficient to pass the one failing unit test.</a:t>
-            </a:r>
-          </a:p>
-        </p:txBody>
-      </p:sp>
-      <p:sp>
-        <p:nvSpPr>
-          <p:cNvPr id="4" name="Rectangle 3"/>
-          <p:cNvSpPr/>
-          <p:nvPr/>
-        </p:nvSpPr>
-        <p:spPr>
-          <a:xfrm>
-            <a:off x="5365897" y="5919917"/>
-            <a:ext cx="6606363" cy="369332"/>
-          </a:xfrm>
-          <a:prstGeom prst="rect">
-            <a:avLst/>
-          </a:prstGeom>
-        </p:spPr>
-        <p:txBody>
-          <a:bodyPr wrap="square">
-            <a:spAutoFit/>
-          </a:bodyPr>
-          <a:lstStyle/>
-          <a:p>
-            <a:r>
-              <a:rPr lang="en-US" dirty="0">
-                <a:hlinkClick r:id="rId2"/>
-              </a:rPr>
-              <a:t>http://butunclebob.com/ArticleS.UncleBob.TheThreeRulesOfTdd</a:t>
-            </a:r>
-            <a:endParaRPr lang="en-US" dirty="0"/>
-          </a:p>
-        </p:txBody>
-      </p:sp>
-    </p:spTree>
-    <p:extLst>
-      <p:ext uri="{BB962C8B-B14F-4D97-AF65-F5344CB8AC3E}">
-        <p14:creationId xmlns:p14="http://schemas.microsoft.com/office/powerpoint/2010/main" val="497524583"/>
       </p:ext>
     </p:extLst>
   </p:cSld>
@@ -13842,11 +13566,7 @@
           <a:p>
             <a:r>
               <a:rPr lang="en-US" dirty="0" smtClean="0"/>
-              <a:t>Tests </a:t>
-            </a:r>
-            <a:r>
-              <a:rPr lang="en-US" dirty="0" smtClean="0"/>
-              <a:t>flavors</a:t>
+              <a:t>Tests flavors</a:t>
             </a:r>
             <a:endParaRPr lang="en-US" dirty="0"/>
           </a:p>
@@ -13931,6 +13651,131 @@
           <a:p>
             <a:r>
               <a:rPr lang="en-US" dirty="0" smtClean="0"/>
+              <a:t>TDD Laws</a:t>
+            </a:r>
+            <a:endParaRPr lang="en-US" dirty="0"/>
+          </a:p>
+        </p:txBody>
+      </p:sp>
+      <p:sp>
+        <p:nvSpPr>
+          <p:cNvPr id="3" name="Content Placeholder 2"/>
+          <p:cNvSpPr>
+            <a:spLocks noGrp="1"/>
+          </p:cNvSpPr>
+          <p:nvPr>
+            <p:ph idx="1"/>
+          </p:nvPr>
+        </p:nvSpPr>
+        <p:spPr/>
+        <p:txBody>
+          <a:bodyPr/>
+          <a:lstStyle/>
+          <a:p>
+            <a:r>
+              <a:rPr lang="en-US" dirty="0"/>
+              <a:t>You are not allowed to write any production code unless it is to make a failing unit test pass.</a:t>
+            </a:r>
+          </a:p>
+          <a:p>
+            <a:r>
+              <a:rPr lang="en-US" dirty="0"/>
+              <a:t>You are not allowed to write any more of a unit test than is sufficient to fail; and compilation failures are failures</a:t>
+            </a:r>
+          </a:p>
+          <a:p>
+            <a:r>
+              <a:rPr lang="en-US" dirty="0"/>
+              <a:t>You are not allowed to write any more production code than is sufficient to pass the one failing unit test.</a:t>
+            </a:r>
+          </a:p>
+        </p:txBody>
+      </p:sp>
+      <p:sp>
+        <p:nvSpPr>
+          <p:cNvPr id="4" name="Rectangle 3"/>
+          <p:cNvSpPr/>
+          <p:nvPr/>
+        </p:nvSpPr>
+        <p:spPr>
+          <a:xfrm>
+            <a:off x="5365897" y="5919917"/>
+            <a:ext cx="6606363" cy="369332"/>
+          </a:xfrm>
+          <a:prstGeom prst="rect">
+            <a:avLst/>
+          </a:prstGeom>
+        </p:spPr>
+        <p:txBody>
+          <a:bodyPr wrap="square">
+            <a:spAutoFit/>
+          </a:bodyPr>
+          <a:lstStyle/>
+          <a:p>
+            <a:r>
+              <a:rPr lang="en-US" dirty="0">
+                <a:hlinkClick r:id="rId2"/>
+              </a:rPr>
+              <a:t>http://butunclebob.com/ArticleS.UncleBob.TheThreeRulesOfTdd</a:t>
+            </a:r>
+            <a:endParaRPr lang="en-US" dirty="0"/>
+          </a:p>
+        </p:txBody>
+      </p:sp>
+    </p:spTree>
+    <p:extLst>
+      <p:ext uri="{BB962C8B-B14F-4D97-AF65-F5344CB8AC3E}">
+        <p14:creationId xmlns:p14="http://schemas.microsoft.com/office/powerpoint/2010/main" val="497524583"/>
+      </p:ext>
+    </p:extLst>
+  </p:cSld>
+  <p:clrMapOvr>
+    <a:masterClrMapping/>
+  </p:clrMapOvr>
+  <p:timing>
+    <p:tnLst>
+      <p:par>
+        <p:cTn id="1" dur="indefinite" restart="never" nodeType="tmRoot"/>
+      </p:par>
+    </p:tnLst>
+  </p:timing>
+</p:sld>
+</file>
+
+<file path=ppt/slides/slide21.xml><?xml version="1.0" encoding="utf-8"?>
+<p:sld xmlns:a="http://schemas.openxmlformats.org/drawingml/2006/main" xmlns:r="http://schemas.openxmlformats.org/officeDocument/2006/relationships" xmlns:p="http://schemas.openxmlformats.org/presentationml/2006/main">
+  <p:cSld>
+    <p:spTree>
+      <p:nvGrpSpPr>
+        <p:cNvPr id="1" name=""/>
+        <p:cNvGrpSpPr/>
+        <p:nvPr/>
+      </p:nvGrpSpPr>
+      <p:grpSpPr>
+        <a:xfrm>
+          <a:off x="0" y="0"/>
+          <a:ext cx="0" cy="0"/>
+          <a:chOff x="0" y="0"/>
+          <a:chExt cx="0" cy="0"/>
+        </a:xfrm>
+      </p:grpSpPr>
+      <p:sp>
+        <p:nvSpPr>
+          <p:cNvPr id="2" name="Title 1"/>
+          <p:cNvSpPr>
+            <a:spLocks noGrp="1"/>
+          </p:cNvSpPr>
+          <p:nvPr>
+            <p:ph type="title"/>
+          </p:nvPr>
+        </p:nvSpPr>
+        <p:spPr/>
+        <p:txBody>
+          <a:bodyPr/>
+          <a:lstStyle/>
+          <a:p>
+            <a:r>
+              <a:rPr lang="en-US" dirty="0" smtClean="0"/>
               <a:t>Why use TDD?</a:t>
             </a:r>
             <a:endParaRPr lang="en-US" dirty="0"/>
@@ -14052,7 +13897,7 @@
 </p:sld>
 </file>
 
-<file path=ppt/slides/slide21.xml><?xml version="1.0" encoding="utf-8"?>
+<file path=ppt/slides/slide22.xml><?xml version="1.0" encoding="utf-8"?>
 <p:sld xmlns:a="http://schemas.openxmlformats.org/drawingml/2006/main" xmlns:r="http://schemas.openxmlformats.org/officeDocument/2006/relationships" xmlns:p="http://schemas.openxmlformats.org/presentationml/2006/main">
   <p:cSld>
     <p:spTree>
@@ -14171,7 +14016,7 @@
 </p:sld>
 </file>
 
-<file path=ppt/slides/slide22.xml><?xml version="1.0" encoding="utf-8"?>
+<file path=ppt/slides/slide23.xml><?xml version="1.0" encoding="utf-8"?>
 <p:sld xmlns:a="http://schemas.openxmlformats.org/drawingml/2006/main" xmlns:r="http://schemas.openxmlformats.org/officeDocument/2006/relationships" xmlns:p="http://schemas.openxmlformats.org/presentationml/2006/main">
   <p:cSld>
     <p:spTree>
@@ -14235,7 +14080,6 @@
               <a:rPr lang="en-US" dirty="0" smtClean="0"/>
               <a:t>Rules</a:t>
             </a:r>
-            <a:endParaRPr lang="en-US" dirty="0" smtClean="0"/>
           </a:p>
           <a:p>
             <a:pPr lvl="1" fontAlgn="base"/>
@@ -14311,7 +14155,7 @@
 </p:sld>
 </file>
 
-<file path=ppt/slides/slide23.xml><?xml version="1.0" encoding="utf-8"?>
+<file path=ppt/slides/slide24.xml><?xml version="1.0" encoding="utf-8"?>
 <p:sld xmlns:a="http://schemas.openxmlformats.org/drawingml/2006/main" xmlns:r="http://schemas.openxmlformats.org/officeDocument/2006/relationships" xmlns:p="http://schemas.openxmlformats.org/presentationml/2006/main">
   <p:cSld>
     <p:spTree>
@@ -14375,7 +14219,6 @@
               <a:rPr lang="en-US" dirty="0" smtClean="0"/>
               <a:t>Rules</a:t>
             </a:r>
-            <a:endParaRPr lang="en-US" dirty="0" smtClean="0"/>
           </a:p>
           <a:p>
             <a:pPr lvl="1" fontAlgn="base"/>
@@ -15888,7 +15731,6 @@
               <a:rPr lang="en-US" dirty="0"/>
               <a:t> of the code being tested.</a:t>
             </a:r>
-            <a:endParaRPr lang="en-US" dirty="0"/>
           </a:p>
         </p:txBody>
       </p:sp>
